--- a/Documentations/Summary/Video/Vizsgaremek_Teszteles_Videodokumentacio.pptx
+++ b/Documentations/Summary/Video/Vizsgaremek_Teszteles_Videodokumentacio.pptx
@@ -135,6 +135,11 @@
       </a:defRPr>
     </a:lvl9pPr>
   </p:defaultTextStyle>
+  <p:extLst>
+    <p:ext uri="{EFAFB233-063F-42B5-8137-9DF3F51BA10A}">
+      <p15:sldGuideLst xmlns:p15="http://schemas.microsoft.com/office/powerpoint/2012/main"/>
+    </p:ext>
+  </p:extLst>
 </p:presentation>
 </file>
 
@@ -8423,21 +8428,25 @@
         </p:nvSpPr>
         <p:spPr>
           <a:xfrm>
-            <a:off x="3256835" y="617051"/>
-            <a:ext cx="5678325" cy="2230924"/>
+            <a:off x="320040" y="617051"/>
+            <a:ext cx="11631167" cy="2230924"/>
           </a:xfrm>
         </p:spPr>
         <p:txBody>
           <a:bodyPr>
-            <a:normAutofit fontScale="90000"/>
+            <a:normAutofit/>
           </a:bodyPr>
           <a:lstStyle/>
           <a:p>
+            <a:pPr algn="ctr"/>
             <a:r>
               <a:rPr lang="en-US" sz="11500" b="1" dirty="0"/>
               <a:t>Windows</a:t>
             </a:r>
-            <a:endParaRPr lang="hu-HU" sz="11500" b="1" dirty="0"/>
+            <a:r>
+              <a:rPr lang="hu-HU" sz="11500" b="1" dirty="0"/>
+              <a:t> szerver</a:t>
+            </a:r>
           </a:p>
         </p:txBody>
       </p:sp>
@@ -9339,8 +9348,8 @@
         </p:nvSpPr>
         <p:spPr>
           <a:xfrm>
-            <a:off x="3256835" y="617051"/>
-            <a:ext cx="5678325" cy="2230924"/>
+            <a:off x="128016" y="617051"/>
+            <a:ext cx="11969495" cy="2230924"/>
           </a:xfrm>
           <a:prstGeom prst="rect">
             <a:avLst/>
@@ -9395,7 +9404,10 @@
               <a:rPr lang="en-US" sz="11500" b="1" dirty="0"/>
               <a:t>Linux</a:t>
             </a:r>
-            <a:endParaRPr lang="hu-HU" sz="11500" b="1" dirty="0"/>
+            <a:r>
+              <a:rPr lang="hu-HU" sz="11500" b="1" dirty="0"/>
+              <a:t> szerver</a:t>
+            </a:r>
           </a:p>
         </p:txBody>
       </p:sp>
@@ -9448,47 +9460,32 @@
       </p:pic>
       <p:pic>
         <p:nvPicPr>
-          <p:cNvPr id="2052" name="Picture 4" descr="Debian Logo and symbol, meaning, history, PNG">
+          <p:cNvPr id="2" name="Kép 1">
             <a:extLst>
               <a:ext uri="{FF2B5EF4-FFF2-40B4-BE49-F238E27FC236}">
-                <a16:creationId xmlns:a16="http://schemas.microsoft.com/office/drawing/2014/main" id="{05CD764B-2858-9651-E8AD-375DFA3C64E9}"/>
+                <a16:creationId xmlns:a16="http://schemas.microsoft.com/office/drawing/2014/main" id="{26F437FD-878F-4D7B-AF1C-92F8EED43523}"/>
               </a:ext>
             </a:extLst>
           </p:cNvPr>
           <p:cNvPicPr>
-            <a:picLocks noChangeAspect="1" noChangeArrowheads="1"/>
+            <a:picLocks noChangeAspect="1"/>
           </p:cNvPicPr>
           <p:nvPr/>
         </p:nvPicPr>
-        <p:blipFill rotWithShape="1">
-          <a:blip r:embed="rId3">
-            <a:extLst>
-              <a:ext uri="{28A0092B-C50C-407E-A947-70E740481C1C}">
-                <a14:useLocalDpi xmlns:a14="http://schemas.microsoft.com/office/drawing/2010/main" val="0"/>
-              </a:ext>
-            </a:extLst>
-          </a:blip>
-          <a:srcRect l="26811" r="26783"/>
-          <a:stretch/>
+        <p:blipFill>
+          <a:blip r:embed="rId3"/>
+          <a:stretch>
+            <a:fillRect/>
+          </a:stretch>
         </p:blipFill>
-        <p:spPr bwMode="auto">
+        <p:spPr>
           <a:xfrm>
-            <a:off x="7267090" y="2394409"/>
-            <a:ext cx="2828918" cy="3429000"/>
+            <a:off x="6576984" y="2359828"/>
+            <a:ext cx="4027296" cy="3477973"/>
           </a:xfrm>
           <a:prstGeom prst="rect">
             <a:avLst/>
           </a:prstGeom>
-          <a:noFill/>
-          <a:extLst>
-            <a:ext uri="{909E8E84-426E-40DD-AFC4-6F175D3DCCD1}">
-              <a14:hiddenFill xmlns:a14="http://schemas.microsoft.com/office/drawing/2010/main">
-                <a:solidFill>
-                  <a:srgbClr val="FFFFFF"/>
-                </a:solidFill>
-              </a14:hiddenFill>
-            </a:ext>
-          </a:extLst>
         </p:spPr>
       </p:pic>
     </p:spTree>
@@ -10172,7 +10169,7 @@
             </a:r>
             <a:r>
               <a:rPr lang="en-US" dirty="0" err="1"/>
-              <a:t>weboldalat</a:t>
+              <a:t>weboldalt</a:t>
             </a:r>
             <a:endParaRPr lang="hu-HU" dirty="0"/>
           </a:p>
